--- a/docs/交通违章保卫战.pptx
+++ b/docs/交通违章保卫战.pptx
@@ -11,9 +11,10 @@
     <p:sldId id="261" r:id="rId5"/>
     <p:sldId id="262" r:id="rId6"/>
     <p:sldId id="263" r:id="rId7"/>
-    <p:sldId id="259" r:id="rId8"/>
-    <p:sldId id="264" r:id="rId9"/>
-    <p:sldId id="260" r:id="rId10"/>
+    <p:sldId id="265" r:id="rId8"/>
+    <p:sldId id="259" r:id="rId9"/>
+    <p:sldId id="264" r:id="rId10"/>
+    <p:sldId id="260" r:id="rId11"/>
   </p:sldIdLst>
   <p:sldSz cx="9144000" cy="6858000" type="screen4x3"/>
   <p:notesSz cx="6858000" cy="9144000"/>
@@ -296,6 +297,7 @@
           <a:p>
             <a:fld id="{AB38883B-60FA-48BF-9F62-0B3111F70869}" type="datetimeFigureOut">
               <a:rPr lang="zh-CN" altLang="en-US" smtClean="0"/>
+              <a:pPr/>
               <a:t>2014-5-20</a:t>
             </a:fld>
             <a:endParaRPr lang="zh-CN" altLang="en-US"/>
@@ -338,6 +340,7 @@
           <a:p>
             <a:fld id="{DF151750-B277-4AAC-8A80-096FC20FA9FD}" type="slidenum">
               <a:rPr lang="zh-CN" altLang="en-US" smtClean="0"/>
+              <a:pPr/>
               <a:t>‹#›</a:t>
             </a:fld>
             <a:endParaRPr lang="zh-CN" altLang="en-US"/>
@@ -461,6 +464,7 @@
           <a:p>
             <a:fld id="{AB38883B-60FA-48BF-9F62-0B3111F70869}" type="datetimeFigureOut">
               <a:rPr lang="zh-CN" altLang="en-US" smtClean="0"/>
+              <a:pPr/>
               <a:t>2014-5-20</a:t>
             </a:fld>
             <a:endParaRPr lang="zh-CN" altLang="en-US"/>
@@ -503,6 +507,7 @@
           <a:p>
             <a:fld id="{DF151750-B277-4AAC-8A80-096FC20FA9FD}" type="slidenum">
               <a:rPr lang="zh-CN" altLang="en-US" smtClean="0"/>
+              <a:pPr/>
               <a:t>‹#›</a:t>
             </a:fld>
             <a:endParaRPr lang="zh-CN" altLang="en-US"/>
@@ -636,6 +641,7 @@
           <a:p>
             <a:fld id="{AB38883B-60FA-48BF-9F62-0B3111F70869}" type="datetimeFigureOut">
               <a:rPr lang="zh-CN" altLang="en-US" smtClean="0"/>
+              <a:pPr/>
               <a:t>2014-5-20</a:t>
             </a:fld>
             <a:endParaRPr lang="zh-CN" altLang="en-US"/>
@@ -678,6 +684,7 @@
           <a:p>
             <a:fld id="{DF151750-B277-4AAC-8A80-096FC20FA9FD}" type="slidenum">
               <a:rPr lang="zh-CN" altLang="en-US" smtClean="0"/>
+              <a:pPr/>
               <a:t>‹#›</a:t>
             </a:fld>
             <a:endParaRPr lang="zh-CN" altLang="en-US"/>
@@ -801,6 +808,7 @@
           <a:p>
             <a:fld id="{AB38883B-60FA-48BF-9F62-0B3111F70869}" type="datetimeFigureOut">
               <a:rPr lang="zh-CN" altLang="en-US" smtClean="0"/>
+              <a:pPr/>
               <a:t>2014-5-20</a:t>
             </a:fld>
             <a:endParaRPr lang="zh-CN" altLang="en-US"/>
@@ -843,6 +851,7 @@
           <a:p>
             <a:fld id="{DF151750-B277-4AAC-8A80-096FC20FA9FD}" type="slidenum">
               <a:rPr lang="zh-CN" altLang="en-US" smtClean="0"/>
+              <a:pPr/>
               <a:t>‹#›</a:t>
             </a:fld>
             <a:endParaRPr lang="zh-CN" altLang="en-US"/>
@@ -1042,6 +1051,7 @@
           <a:p>
             <a:fld id="{AB38883B-60FA-48BF-9F62-0B3111F70869}" type="datetimeFigureOut">
               <a:rPr lang="zh-CN" altLang="en-US" smtClean="0"/>
+              <a:pPr/>
               <a:t>2014-5-20</a:t>
             </a:fld>
             <a:endParaRPr lang="zh-CN" altLang="en-US"/>
@@ -1084,6 +1094,7 @@
           <a:p>
             <a:fld id="{DF151750-B277-4AAC-8A80-096FC20FA9FD}" type="slidenum">
               <a:rPr lang="zh-CN" altLang="en-US" smtClean="0"/>
+              <a:pPr/>
               <a:t>‹#›</a:t>
             </a:fld>
             <a:endParaRPr lang="zh-CN" altLang="en-US"/>
@@ -1325,6 +1336,7 @@
           <a:p>
             <a:fld id="{AB38883B-60FA-48BF-9F62-0B3111F70869}" type="datetimeFigureOut">
               <a:rPr lang="zh-CN" altLang="en-US" smtClean="0"/>
+              <a:pPr/>
               <a:t>2014-5-20</a:t>
             </a:fld>
             <a:endParaRPr lang="zh-CN" altLang="en-US"/>
@@ -1367,6 +1379,7 @@
           <a:p>
             <a:fld id="{DF151750-B277-4AAC-8A80-096FC20FA9FD}" type="slidenum">
               <a:rPr lang="zh-CN" altLang="en-US" smtClean="0"/>
+              <a:pPr/>
               <a:t>‹#›</a:t>
             </a:fld>
             <a:endParaRPr lang="zh-CN" altLang="en-US"/>
@@ -1742,6 +1755,7 @@
           <a:p>
             <a:fld id="{AB38883B-60FA-48BF-9F62-0B3111F70869}" type="datetimeFigureOut">
               <a:rPr lang="zh-CN" altLang="en-US" smtClean="0"/>
+              <a:pPr/>
               <a:t>2014-5-20</a:t>
             </a:fld>
             <a:endParaRPr lang="zh-CN" altLang="en-US"/>
@@ -1784,6 +1798,7 @@
           <a:p>
             <a:fld id="{DF151750-B277-4AAC-8A80-096FC20FA9FD}" type="slidenum">
               <a:rPr lang="zh-CN" altLang="en-US" smtClean="0"/>
+              <a:pPr/>
               <a:t>‹#›</a:t>
             </a:fld>
             <a:endParaRPr lang="zh-CN" altLang="en-US"/>
@@ -1855,6 +1870,7 @@
           <a:p>
             <a:fld id="{AB38883B-60FA-48BF-9F62-0B3111F70869}" type="datetimeFigureOut">
               <a:rPr lang="zh-CN" altLang="en-US" smtClean="0"/>
+              <a:pPr/>
               <a:t>2014-5-20</a:t>
             </a:fld>
             <a:endParaRPr lang="zh-CN" altLang="en-US"/>
@@ -1897,6 +1913,7 @@
           <a:p>
             <a:fld id="{DF151750-B277-4AAC-8A80-096FC20FA9FD}" type="slidenum">
               <a:rPr lang="zh-CN" altLang="en-US" smtClean="0"/>
+              <a:pPr/>
               <a:t>‹#›</a:t>
             </a:fld>
             <a:endParaRPr lang="zh-CN" altLang="en-US"/>
@@ -1945,6 +1962,7 @@
           <a:p>
             <a:fld id="{AB38883B-60FA-48BF-9F62-0B3111F70869}" type="datetimeFigureOut">
               <a:rPr lang="zh-CN" altLang="en-US" smtClean="0"/>
+              <a:pPr/>
               <a:t>2014-5-20</a:t>
             </a:fld>
             <a:endParaRPr lang="zh-CN" altLang="en-US"/>
@@ -1987,6 +2005,7 @@
           <a:p>
             <a:fld id="{DF151750-B277-4AAC-8A80-096FC20FA9FD}" type="slidenum">
               <a:rPr lang="zh-CN" altLang="en-US" smtClean="0"/>
+              <a:pPr/>
               <a:t>‹#›</a:t>
             </a:fld>
             <a:endParaRPr lang="zh-CN" altLang="en-US"/>
@@ -2217,6 +2236,7 @@
           <a:p>
             <a:fld id="{AB38883B-60FA-48BF-9F62-0B3111F70869}" type="datetimeFigureOut">
               <a:rPr lang="zh-CN" altLang="en-US" smtClean="0"/>
+              <a:pPr/>
               <a:t>2014-5-20</a:t>
             </a:fld>
             <a:endParaRPr lang="zh-CN" altLang="en-US"/>
@@ -2259,6 +2279,7 @@
           <a:p>
             <a:fld id="{DF151750-B277-4AAC-8A80-096FC20FA9FD}" type="slidenum">
               <a:rPr lang="zh-CN" altLang="en-US" smtClean="0"/>
+              <a:pPr/>
               <a:t>‹#›</a:t>
             </a:fld>
             <a:endParaRPr lang="zh-CN" altLang="en-US"/>
@@ -2465,6 +2486,7 @@
           <a:p>
             <a:fld id="{AB38883B-60FA-48BF-9F62-0B3111F70869}" type="datetimeFigureOut">
               <a:rPr lang="zh-CN" altLang="en-US" smtClean="0"/>
+              <a:pPr/>
               <a:t>2014-5-20</a:t>
             </a:fld>
             <a:endParaRPr lang="zh-CN" altLang="en-US"/>
@@ -2507,6 +2529,7 @@
           <a:p>
             <a:fld id="{DF151750-B277-4AAC-8A80-096FC20FA9FD}" type="slidenum">
               <a:rPr lang="zh-CN" altLang="en-US" smtClean="0"/>
+              <a:pPr/>
               <a:t>‹#›</a:t>
             </a:fld>
             <a:endParaRPr lang="zh-CN" altLang="en-US"/>
@@ -2673,6 +2696,7 @@
           <a:p>
             <a:fld id="{AB38883B-60FA-48BF-9F62-0B3111F70869}" type="datetimeFigureOut">
               <a:rPr lang="zh-CN" altLang="en-US" smtClean="0"/>
+              <a:pPr/>
               <a:t>2014-5-20</a:t>
             </a:fld>
             <a:endParaRPr lang="zh-CN" altLang="en-US"/>
@@ -2751,6 +2775,7 @@
           <a:p>
             <a:fld id="{DF151750-B277-4AAC-8A80-096FC20FA9FD}" type="slidenum">
               <a:rPr lang="zh-CN" altLang="en-US" smtClean="0"/>
+              <a:pPr/>
               <a:t>‹#›</a:t>
             </a:fld>
             <a:endParaRPr lang="zh-CN" altLang="en-US"/>
@@ -3093,7 +3118,7 @@
 </p:sld>
 </file>
 
-<file path=ppt/slides/slide2.xml><?xml version="1.0" encoding="utf-8"?>
+<file path=ppt/slides/slide10.xml><?xml version="1.0" encoding="utf-8"?>
 <p:sld xmlns:a="http://schemas.openxmlformats.org/drawingml/2006/main" xmlns:r="http://schemas.openxmlformats.org/officeDocument/2006/relationships" xmlns:p="http://schemas.openxmlformats.org/presentationml/2006/main">
   <p:cSld>
     <p:spTree>
@@ -3127,8 +3152,20 @@
           <a:p>
             <a:pPr algn="l"/>
             <a:r>
+              <a:rPr lang="en-US" altLang="zh-CN" dirty="0" smtClean="0"/>
+              <a:t>4</a:t>
+            </a:r>
+            <a:r>
+              <a:rPr lang="en-US" altLang="zh-CN" dirty="0" smtClean="0"/>
+              <a:t>.</a:t>
+            </a:r>
+            <a:r>
               <a:rPr lang="zh-CN" altLang="en-US" dirty="0" smtClean="0"/>
-              <a:t>整体设计</a:t>
+              <a:t> </a:t>
+            </a:r>
+            <a:r>
+              <a:rPr lang="zh-CN" altLang="en-US" dirty="0" smtClean="0"/>
+              <a:t>设置</a:t>
             </a:r>
             <a:endParaRPr lang="zh-CN" altLang="en-US" dirty="0"/>
           </a:p>
@@ -3177,6 +3214,290 @@
       </p:sp>
       <p:sp>
         <p:nvSpPr>
+          <p:cNvPr id="5" name="矩形 4"/>
+          <p:cNvSpPr/>
+          <p:nvPr/>
+        </p:nvSpPr>
+        <p:spPr>
+          <a:xfrm>
+            <a:off x="2071670" y="2224078"/>
+            <a:ext cx="4357718" cy="3705252"/>
+          </a:xfrm>
+          <a:prstGeom prst="rect">
+            <a:avLst/>
+          </a:prstGeom>
+          <a:noFill/>
+        </p:spPr>
+        <p:style>
+          <a:lnRef idx="2">
+            <a:schemeClr val="accent1">
+              <a:shade val="50000"/>
+            </a:schemeClr>
+          </a:lnRef>
+          <a:fillRef idx="1">
+            <a:schemeClr val="accent1"/>
+          </a:fillRef>
+          <a:effectRef idx="0">
+            <a:schemeClr val="accent1"/>
+          </a:effectRef>
+          <a:fontRef idx="minor">
+            <a:schemeClr val="lt1"/>
+          </a:fontRef>
+        </p:style>
+        <p:txBody>
+          <a:bodyPr rtlCol="0" anchor="ctr"/>
+          <a:lstStyle/>
+          <a:p>
+            <a:pPr algn="ctr"/>
+            <a:r>
+              <a:rPr lang="zh-CN" altLang="en-US" dirty="0" smtClean="0">
+                <a:solidFill>
+                  <a:schemeClr val="tx1"/>
+                </a:solidFill>
+              </a:rPr>
+              <a:t>关于软件</a:t>
+            </a:r>
+            <a:endParaRPr lang="en-US" altLang="zh-CN" dirty="0" smtClean="0">
+              <a:solidFill>
+                <a:schemeClr val="tx1"/>
+              </a:solidFill>
+            </a:endParaRPr>
+          </a:p>
+          <a:p>
+            <a:pPr algn="ctr"/>
+            <a:r>
+              <a:rPr lang="zh-CN" altLang="en-US" dirty="0" smtClean="0">
+                <a:solidFill>
+                  <a:schemeClr val="tx1"/>
+                </a:solidFill>
+              </a:rPr>
+              <a:t>违章推送（任何车辆有违章时，推送消息，可设置查询周期）</a:t>
+            </a:r>
+            <a:endParaRPr lang="en-US" altLang="zh-CN" dirty="0" smtClean="0">
+              <a:solidFill>
+                <a:schemeClr val="tx1"/>
+              </a:solidFill>
+            </a:endParaRPr>
+          </a:p>
+          <a:p>
+            <a:pPr algn="ctr"/>
+            <a:r>
+              <a:rPr lang="zh-CN" altLang="en-US" dirty="0" smtClean="0">
+                <a:solidFill>
+                  <a:schemeClr val="tx1"/>
+                </a:solidFill>
+              </a:rPr>
+              <a:t>好友分享</a:t>
+            </a:r>
+            <a:endParaRPr lang="en-US" altLang="zh-CN" dirty="0" smtClean="0">
+              <a:solidFill>
+                <a:schemeClr val="tx1"/>
+              </a:solidFill>
+            </a:endParaRPr>
+          </a:p>
+          <a:p>
+            <a:pPr algn="ctr"/>
+            <a:r>
+              <a:rPr lang="zh-CN" altLang="en-US" dirty="0" smtClean="0">
+                <a:solidFill>
+                  <a:schemeClr val="tx1"/>
+                </a:solidFill>
+              </a:rPr>
+              <a:t>检查更新</a:t>
+            </a:r>
+            <a:endParaRPr lang="en-US" altLang="zh-CN" dirty="0" smtClean="0">
+              <a:solidFill>
+                <a:schemeClr val="tx1"/>
+              </a:solidFill>
+            </a:endParaRPr>
+          </a:p>
+          <a:p>
+            <a:pPr algn="ctr"/>
+            <a:r>
+              <a:rPr lang="zh-CN" altLang="en-US" dirty="0" smtClean="0">
+                <a:solidFill>
+                  <a:schemeClr val="tx1"/>
+                </a:solidFill>
+              </a:rPr>
+              <a:t>意见反馈</a:t>
+            </a:r>
+            <a:endParaRPr lang="en-US" altLang="zh-CN" dirty="0" smtClean="0">
+              <a:solidFill>
+                <a:schemeClr val="tx1"/>
+              </a:solidFill>
+            </a:endParaRPr>
+          </a:p>
+          <a:p>
+            <a:pPr algn="ctr"/>
+            <a:r>
+              <a:rPr lang="zh-CN" altLang="en-US" dirty="0" smtClean="0">
+                <a:solidFill>
+                  <a:schemeClr val="tx1"/>
+                </a:solidFill>
+              </a:rPr>
+              <a:t>软件评分</a:t>
+            </a:r>
+            <a:endParaRPr lang="en-US" altLang="zh-CN" dirty="0" smtClean="0">
+              <a:solidFill>
+                <a:schemeClr val="tx1"/>
+              </a:solidFill>
+            </a:endParaRPr>
+          </a:p>
+          <a:p>
+            <a:pPr algn="ctr"/>
+            <a:endParaRPr lang="en-US" altLang="zh-CN" dirty="0" smtClean="0">
+              <a:solidFill>
+                <a:schemeClr val="tx1"/>
+              </a:solidFill>
+            </a:endParaRPr>
+          </a:p>
+        </p:txBody>
+      </p:sp>
+      <p:sp>
+        <p:nvSpPr>
+          <p:cNvPr id="6" name="矩形 5"/>
+          <p:cNvSpPr/>
+          <p:nvPr/>
+        </p:nvSpPr>
+        <p:spPr>
+          <a:xfrm>
+            <a:off x="2071670" y="1428736"/>
+            <a:ext cx="4357718" cy="785818"/>
+          </a:xfrm>
+          <a:prstGeom prst="rect">
+            <a:avLst/>
+          </a:prstGeom>
+          <a:noFill/>
+        </p:spPr>
+        <p:style>
+          <a:lnRef idx="2">
+            <a:schemeClr val="accent1">
+              <a:shade val="50000"/>
+            </a:schemeClr>
+          </a:lnRef>
+          <a:fillRef idx="1">
+            <a:schemeClr val="accent1"/>
+          </a:fillRef>
+          <a:effectRef idx="0">
+            <a:schemeClr val="accent1"/>
+          </a:effectRef>
+          <a:fontRef idx="minor">
+            <a:schemeClr val="lt1"/>
+          </a:fontRef>
+        </p:style>
+        <p:txBody>
+          <a:bodyPr rtlCol="0" anchor="ctr"/>
+          <a:lstStyle/>
+          <a:p>
+            <a:pPr algn="ctr"/>
+            <a:r>
+              <a:rPr lang="zh-CN" altLang="en-US" dirty="0" smtClean="0">
+                <a:solidFill>
+                  <a:schemeClr val="tx1"/>
+                </a:solidFill>
+              </a:rPr>
+              <a:t>设置</a:t>
+            </a:r>
+            <a:endParaRPr lang="zh-CN" altLang="en-US" dirty="0">
+              <a:solidFill>
+                <a:schemeClr val="tx1"/>
+              </a:solidFill>
+            </a:endParaRPr>
+          </a:p>
+        </p:txBody>
+      </p:sp>
+    </p:spTree>
+  </p:cSld>
+  <p:clrMapOvr>
+    <a:masterClrMapping/>
+  </p:clrMapOvr>
+</p:sld>
+</file>
+
+<file path=ppt/slides/slide2.xml><?xml version="1.0" encoding="utf-8"?>
+<p:sld xmlns:a="http://schemas.openxmlformats.org/drawingml/2006/main" xmlns:r="http://schemas.openxmlformats.org/officeDocument/2006/relationships" xmlns:p="http://schemas.openxmlformats.org/presentationml/2006/main">
+  <p:cSld>
+    <p:spTree>
+      <p:nvGrpSpPr>
+        <p:cNvPr id="1" name=""/>
+        <p:cNvGrpSpPr/>
+        <p:nvPr/>
+      </p:nvGrpSpPr>
+      <p:grpSpPr>
+        <a:xfrm>
+          <a:off x="0" y="0"/>
+          <a:ext cx="0" cy="0"/>
+          <a:chOff x="0" y="0"/>
+          <a:chExt cx="0" cy="0"/>
+        </a:xfrm>
+      </p:grpSpPr>
+      <p:sp>
+        <p:nvSpPr>
+          <p:cNvPr id="2" name="标题 1"/>
+          <p:cNvSpPr>
+            <a:spLocks noGrp="1"/>
+          </p:cNvSpPr>
+          <p:nvPr>
+            <p:ph type="title"/>
+          </p:nvPr>
+        </p:nvSpPr>
+        <p:spPr/>
+        <p:txBody>
+          <a:bodyPr/>
+          <a:lstStyle/>
+          <a:p>
+            <a:pPr algn="l"/>
+            <a:r>
+              <a:rPr lang="zh-CN" altLang="en-US" dirty="0" smtClean="0"/>
+              <a:t>整体设计</a:t>
+            </a:r>
+            <a:endParaRPr lang="zh-CN" altLang="en-US" dirty="0"/>
+          </a:p>
+        </p:txBody>
+      </p:sp>
+      <p:sp>
+        <p:nvSpPr>
+          <p:cNvPr id="4" name="矩形 3"/>
+          <p:cNvSpPr/>
+          <p:nvPr/>
+        </p:nvSpPr>
+        <p:spPr>
+          <a:xfrm>
+            <a:off x="2071670" y="1428736"/>
+            <a:ext cx="6715172" cy="4929222"/>
+          </a:xfrm>
+          <a:prstGeom prst="rect">
+            <a:avLst/>
+          </a:prstGeom>
+          <a:noFill/>
+        </p:spPr>
+        <p:style>
+          <a:lnRef idx="2">
+            <a:schemeClr val="accent1">
+              <a:shade val="50000"/>
+            </a:schemeClr>
+          </a:lnRef>
+          <a:fillRef idx="1">
+            <a:schemeClr val="accent1"/>
+          </a:fillRef>
+          <a:effectRef idx="0">
+            <a:schemeClr val="accent1"/>
+          </a:effectRef>
+          <a:fontRef idx="minor">
+            <a:schemeClr val="lt1"/>
+          </a:fontRef>
+        </p:style>
+        <p:txBody>
+          <a:bodyPr rtlCol="0" anchor="ctr"/>
+          <a:lstStyle/>
+          <a:p>
+            <a:pPr algn="ctr"/>
+            <a:endParaRPr lang="zh-CN" altLang="en-US"/>
+          </a:p>
+        </p:txBody>
+      </p:sp>
+      <p:sp>
+        <p:nvSpPr>
           <p:cNvPr id="6" name="矩形 5"/>
           <p:cNvSpPr/>
           <p:nvPr/>
@@ -3227,7 +3548,7 @@
         </p:nvSpPr>
         <p:spPr>
           <a:xfrm>
-            <a:off x="5072066" y="5643578"/>
+            <a:off x="6929454" y="5643578"/>
             <a:ext cx="1143008" cy="642942"/>
           </a:xfrm>
           <a:prstGeom prst="rect">
@@ -3272,6 +3593,50 @@
         <p:spPr>
           <a:xfrm>
             <a:off x="3643306" y="5643578"/>
+            <a:ext cx="1143008" cy="642942"/>
+          </a:xfrm>
+          <a:prstGeom prst="rect">
+            <a:avLst/>
+          </a:prstGeom>
+        </p:spPr>
+        <p:style>
+          <a:lnRef idx="2">
+            <a:schemeClr val="accent1">
+              <a:shade val="50000"/>
+            </a:schemeClr>
+          </a:lnRef>
+          <a:fillRef idx="1">
+            <a:schemeClr val="accent1"/>
+          </a:fillRef>
+          <a:effectRef idx="0">
+            <a:schemeClr val="accent1"/>
+          </a:effectRef>
+          <a:fontRef idx="minor">
+            <a:schemeClr val="lt1"/>
+          </a:fontRef>
+        </p:style>
+        <p:txBody>
+          <a:bodyPr rtlCol="0" anchor="ctr"/>
+          <a:lstStyle/>
+          <a:p>
+            <a:pPr algn="ctr"/>
+            <a:r>
+              <a:rPr lang="zh-CN" altLang="en-US" dirty="0" smtClean="0"/>
+              <a:t>摄像头</a:t>
+            </a:r>
+            <a:endParaRPr lang="zh-CN" altLang="en-US" dirty="0"/>
+          </a:p>
+        </p:txBody>
+      </p:sp>
+      <p:sp>
+        <p:nvSpPr>
+          <p:cNvPr id="9" name="矩形 8"/>
+          <p:cNvSpPr/>
+          <p:nvPr/>
+        </p:nvSpPr>
+        <p:spPr>
+          <a:xfrm>
+            <a:off x="5143504" y="5643578"/>
             <a:ext cx="1143008" cy="642942"/>
           </a:xfrm>
           <a:prstGeom prst="rect">
@@ -3798,8 +4163,8 @@
         </p:nvSpPr>
         <p:spPr>
           <a:xfrm>
-            <a:off x="1071538" y="2214554"/>
-            <a:ext cx="4786346" cy="1714512"/>
+            <a:off x="142844" y="2214554"/>
+            <a:ext cx="4429156" cy="1714512"/>
           </a:xfrm>
           <a:prstGeom prst="rect">
             <a:avLst/>
@@ -3838,7 +4203,7 @@
         </p:nvSpPr>
         <p:spPr>
           <a:xfrm>
-            <a:off x="1142976" y="2571744"/>
+            <a:off x="214282" y="2571744"/>
             <a:ext cx="1357322" cy="1000132"/>
           </a:xfrm>
           <a:prstGeom prst="rect">
@@ -3882,7 +4247,7 @@
         </p:nvSpPr>
         <p:spPr>
           <a:xfrm>
-            <a:off x="3000364" y="2571744"/>
+            <a:off x="1643042" y="2571744"/>
             <a:ext cx="2428892" cy="1000132"/>
           </a:xfrm>
           <a:prstGeom prst="rect">
@@ -3922,6 +4287,520 @@
               <a:rPr lang="zh-CN" altLang="en-US" dirty="0" smtClean="0"/>
               <a:t>违章 罚款 扣分</a:t>
             </a:r>
+            <a:endParaRPr lang="zh-CN" altLang="en-US" dirty="0"/>
+          </a:p>
+        </p:txBody>
+      </p:sp>
+      <p:sp>
+        <p:nvSpPr>
+          <p:cNvPr id="7" name="燕尾形 6"/>
+          <p:cNvSpPr/>
+          <p:nvPr/>
+        </p:nvSpPr>
+        <p:spPr>
+          <a:xfrm>
+            <a:off x="4143372" y="2928934"/>
+            <a:ext cx="357190" cy="214314"/>
+          </a:xfrm>
+          <a:prstGeom prst="chevron">
+            <a:avLst/>
+          </a:prstGeom>
+          <a:ln>
+            <a:solidFill>
+              <a:schemeClr val="bg1"/>
+            </a:solidFill>
+          </a:ln>
+        </p:spPr>
+        <p:style>
+          <a:lnRef idx="2">
+            <a:schemeClr val="accent1">
+              <a:shade val="50000"/>
+            </a:schemeClr>
+          </a:lnRef>
+          <a:fillRef idx="1">
+            <a:schemeClr val="accent1"/>
+          </a:fillRef>
+          <a:effectRef idx="0">
+            <a:schemeClr val="accent1"/>
+          </a:effectRef>
+          <a:fontRef idx="minor">
+            <a:schemeClr val="lt1"/>
+          </a:fontRef>
+        </p:style>
+        <p:txBody>
+          <a:bodyPr rtlCol="0" anchor="ctr"/>
+          <a:lstStyle/>
+          <a:p>
+            <a:pPr algn="ctr"/>
+            <a:endParaRPr lang="zh-CN" altLang="en-US">
+              <a:solidFill>
+                <a:schemeClr val="tx1"/>
+              </a:solidFill>
+            </a:endParaRPr>
+          </a:p>
+        </p:txBody>
+      </p:sp>
+      <p:sp>
+        <p:nvSpPr>
+          <p:cNvPr id="8" name="矩形 7"/>
+          <p:cNvSpPr/>
+          <p:nvPr/>
+        </p:nvSpPr>
+        <p:spPr>
+          <a:xfrm>
+            <a:off x="4786314" y="1285860"/>
+            <a:ext cx="4214842" cy="5214974"/>
+          </a:xfrm>
+          <a:prstGeom prst="rect">
+            <a:avLst/>
+          </a:prstGeom>
+        </p:spPr>
+        <p:style>
+          <a:lnRef idx="2">
+            <a:schemeClr val="accent1">
+              <a:shade val="50000"/>
+            </a:schemeClr>
+          </a:lnRef>
+          <a:fillRef idx="1">
+            <a:schemeClr val="accent1"/>
+          </a:fillRef>
+          <a:effectRef idx="0">
+            <a:schemeClr val="accent1"/>
+          </a:effectRef>
+          <a:fontRef idx="minor">
+            <a:schemeClr val="lt1"/>
+          </a:fontRef>
+        </p:style>
+        <p:txBody>
+          <a:bodyPr rtlCol="0" anchor="ctr"/>
+          <a:lstStyle/>
+          <a:p>
+            <a:pPr algn="ctr"/>
+            <a:endParaRPr lang="zh-CN" altLang="en-US"/>
+          </a:p>
+        </p:txBody>
+      </p:sp>
+      <p:sp>
+        <p:nvSpPr>
+          <p:cNvPr id="9" name="矩形 8"/>
+          <p:cNvSpPr/>
+          <p:nvPr/>
+        </p:nvSpPr>
+        <p:spPr>
+          <a:xfrm>
+            <a:off x="5000628" y="2214554"/>
+            <a:ext cx="2428892" cy="1000132"/>
+          </a:xfrm>
+          <a:prstGeom prst="rect">
+            <a:avLst/>
+          </a:prstGeom>
+        </p:spPr>
+        <p:style>
+          <a:lnRef idx="2">
+            <a:schemeClr val="accent1">
+              <a:shade val="50000"/>
+            </a:schemeClr>
+          </a:lnRef>
+          <a:fillRef idx="1">
+            <a:schemeClr val="accent1"/>
+          </a:fillRef>
+          <a:effectRef idx="0">
+            <a:schemeClr val="accent1"/>
+          </a:effectRef>
+          <a:fontRef idx="minor">
+            <a:schemeClr val="lt1"/>
+          </a:fontRef>
+        </p:style>
+        <p:txBody>
+          <a:bodyPr rtlCol="0" anchor="ctr"/>
+          <a:lstStyle/>
+          <a:p>
+            <a:pPr algn="ctr"/>
+            <a:r>
+              <a:rPr lang="zh-CN" altLang="en-US" dirty="0" smtClean="0"/>
+              <a:t>每项违章</a:t>
+            </a:r>
+            <a:endParaRPr lang="zh-CN" altLang="en-US" dirty="0"/>
+          </a:p>
+        </p:txBody>
+      </p:sp>
+      <p:sp>
+        <p:nvSpPr>
+          <p:cNvPr id="10" name="矩形 9"/>
+          <p:cNvSpPr/>
+          <p:nvPr/>
+        </p:nvSpPr>
+        <p:spPr>
+          <a:xfrm>
+            <a:off x="5572132" y="1285860"/>
+            <a:ext cx="2428892" cy="642942"/>
+          </a:xfrm>
+          <a:prstGeom prst="rect">
+            <a:avLst/>
+          </a:prstGeom>
+        </p:spPr>
+        <p:style>
+          <a:lnRef idx="2">
+            <a:schemeClr val="accent1">
+              <a:shade val="50000"/>
+            </a:schemeClr>
+          </a:lnRef>
+          <a:fillRef idx="1">
+            <a:schemeClr val="accent1"/>
+          </a:fillRef>
+          <a:effectRef idx="0">
+            <a:schemeClr val="accent1"/>
+          </a:effectRef>
+          <a:fontRef idx="minor">
+            <a:schemeClr val="lt1"/>
+          </a:fontRef>
+        </p:style>
+        <p:txBody>
+          <a:bodyPr rtlCol="0" anchor="ctr"/>
+          <a:lstStyle/>
+          <a:p>
+            <a:pPr algn="ctr"/>
+            <a:r>
+              <a:rPr lang="zh-CN" altLang="en-US" dirty="0" smtClean="0"/>
+              <a:t>车牌号（可切换）</a:t>
+            </a:r>
+            <a:endParaRPr lang="zh-CN" altLang="en-US" dirty="0"/>
+          </a:p>
+        </p:txBody>
+      </p:sp>
+      <p:sp>
+        <p:nvSpPr>
+          <p:cNvPr id="11" name="矩形 10"/>
+          <p:cNvSpPr/>
+          <p:nvPr/>
+        </p:nvSpPr>
+        <p:spPr>
+          <a:xfrm>
+            <a:off x="4786314" y="1285860"/>
+            <a:ext cx="847732" cy="633418"/>
+          </a:xfrm>
+          <a:prstGeom prst="rect">
+            <a:avLst/>
+          </a:prstGeom>
+        </p:spPr>
+        <p:style>
+          <a:lnRef idx="2">
+            <a:schemeClr val="accent1">
+              <a:shade val="50000"/>
+            </a:schemeClr>
+          </a:lnRef>
+          <a:fillRef idx="1">
+            <a:schemeClr val="accent1"/>
+          </a:fillRef>
+          <a:effectRef idx="0">
+            <a:schemeClr val="accent1"/>
+          </a:effectRef>
+          <a:fontRef idx="minor">
+            <a:schemeClr val="lt1"/>
+          </a:fontRef>
+        </p:style>
+        <p:txBody>
+          <a:bodyPr rtlCol="0" anchor="ctr"/>
+          <a:lstStyle/>
+          <a:p>
+            <a:pPr algn="ctr"/>
+            <a:r>
+              <a:rPr lang="zh-CN" altLang="en-US" dirty="0" smtClean="0"/>
+              <a:t>返回</a:t>
+            </a:r>
+            <a:endParaRPr lang="zh-CN" altLang="en-US" dirty="0"/>
+          </a:p>
+        </p:txBody>
+      </p:sp>
+      <p:sp>
+        <p:nvSpPr>
+          <p:cNvPr id="12" name="矩形 11"/>
+          <p:cNvSpPr/>
+          <p:nvPr/>
+        </p:nvSpPr>
+        <p:spPr>
+          <a:xfrm>
+            <a:off x="8143900" y="1285860"/>
+            <a:ext cx="847732" cy="633418"/>
+          </a:xfrm>
+          <a:prstGeom prst="rect">
+            <a:avLst/>
+          </a:prstGeom>
+        </p:spPr>
+        <p:style>
+          <a:lnRef idx="2">
+            <a:schemeClr val="accent1">
+              <a:shade val="50000"/>
+            </a:schemeClr>
+          </a:lnRef>
+          <a:fillRef idx="1">
+            <a:schemeClr val="accent1"/>
+          </a:fillRef>
+          <a:effectRef idx="0">
+            <a:schemeClr val="accent1"/>
+          </a:effectRef>
+          <a:fontRef idx="minor">
+            <a:schemeClr val="lt1"/>
+          </a:fontRef>
+        </p:style>
+        <p:txBody>
+          <a:bodyPr rtlCol="0" anchor="ctr"/>
+          <a:lstStyle/>
+          <a:p>
+            <a:pPr algn="ctr"/>
+            <a:r>
+              <a:rPr lang="en-US" altLang="zh-CN" dirty="0" smtClean="0"/>
+              <a:t>……</a:t>
+            </a:r>
+            <a:endParaRPr lang="zh-CN" altLang="en-US" dirty="0"/>
+          </a:p>
+        </p:txBody>
+      </p:sp>
+      <p:sp>
+        <p:nvSpPr>
+          <p:cNvPr id="14" name="矩形 13"/>
+          <p:cNvSpPr/>
+          <p:nvPr/>
+        </p:nvSpPr>
+        <p:spPr>
+          <a:xfrm>
+            <a:off x="7500958" y="2285992"/>
+            <a:ext cx="1643042" cy="1714512"/>
+          </a:xfrm>
+          <a:prstGeom prst="rect">
+            <a:avLst/>
+          </a:prstGeom>
+        </p:spPr>
+        <p:style>
+          <a:lnRef idx="2">
+            <a:schemeClr val="accent1">
+              <a:shade val="50000"/>
+            </a:schemeClr>
+          </a:lnRef>
+          <a:fillRef idx="1">
+            <a:schemeClr val="accent1"/>
+          </a:fillRef>
+          <a:effectRef idx="0">
+            <a:schemeClr val="accent1"/>
+          </a:effectRef>
+          <a:fontRef idx="minor">
+            <a:schemeClr val="lt1"/>
+          </a:fontRef>
+        </p:style>
+        <p:txBody>
+          <a:bodyPr rtlCol="0" anchor="ctr"/>
+          <a:lstStyle/>
+          <a:p>
+            <a:pPr algn="ctr"/>
+            <a:r>
+              <a:rPr lang="en-US" altLang="zh-CN" dirty="0" smtClean="0"/>
+              <a:t>(</a:t>
+            </a:r>
+            <a:r>
+              <a:rPr lang="zh-CN" altLang="en-US" dirty="0" smtClean="0"/>
+              <a:t>下</a:t>
+            </a:r>
+            <a:r>
+              <a:rPr lang="zh-CN" altLang="en-US" dirty="0" smtClean="0"/>
+              <a:t>拉列表</a:t>
+            </a:r>
+            <a:r>
+              <a:rPr lang="en-US" altLang="zh-CN" dirty="0" smtClean="0"/>
+              <a:t>)</a:t>
+            </a:r>
+          </a:p>
+          <a:p>
+            <a:pPr algn="ctr"/>
+            <a:r>
+              <a:rPr lang="zh-CN" altLang="en-US" dirty="0" smtClean="0"/>
+              <a:t>切换查询城市</a:t>
+            </a:r>
+            <a:endParaRPr lang="en-US" altLang="zh-CN" dirty="0" smtClean="0"/>
+          </a:p>
+          <a:p>
+            <a:pPr algn="ctr"/>
+            <a:r>
+              <a:rPr lang="zh-CN" altLang="en-US" dirty="0" smtClean="0"/>
+              <a:t>地图模式</a:t>
+            </a:r>
+            <a:endParaRPr lang="zh-CN" altLang="en-US" dirty="0"/>
+          </a:p>
+        </p:txBody>
+      </p:sp>
+      <p:sp>
+        <p:nvSpPr>
+          <p:cNvPr id="16" name="下箭头 15"/>
+          <p:cNvSpPr/>
+          <p:nvPr/>
+        </p:nvSpPr>
+        <p:spPr>
+          <a:xfrm>
+            <a:off x="8429652" y="1928802"/>
+            <a:ext cx="285752" cy="428628"/>
+          </a:xfrm>
+          <a:prstGeom prst="downArrow">
+            <a:avLst/>
+          </a:prstGeom>
+          <a:ln>
+            <a:solidFill>
+              <a:srgbClr val="FF0000"/>
+            </a:solidFill>
+          </a:ln>
+        </p:spPr>
+        <p:style>
+          <a:lnRef idx="2">
+            <a:schemeClr val="accent1">
+              <a:shade val="50000"/>
+            </a:schemeClr>
+          </a:lnRef>
+          <a:fillRef idx="1">
+            <a:schemeClr val="accent1"/>
+          </a:fillRef>
+          <a:effectRef idx="0">
+            <a:schemeClr val="accent1"/>
+          </a:effectRef>
+          <a:fontRef idx="minor">
+            <a:schemeClr val="lt1"/>
+          </a:fontRef>
+        </p:style>
+        <p:txBody>
+          <a:bodyPr rtlCol="0" anchor="ctr"/>
+          <a:lstStyle/>
+          <a:p>
+            <a:pPr algn="ctr"/>
+            <a:endParaRPr lang="zh-CN" altLang="en-US"/>
+          </a:p>
+        </p:txBody>
+      </p:sp>
+      <p:sp>
+        <p:nvSpPr>
+          <p:cNvPr id="17" name="下箭头 16"/>
+          <p:cNvSpPr/>
+          <p:nvPr/>
+        </p:nvSpPr>
+        <p:spPr>
+          <a:xfrm>
+            <a:off x="5786446" y="3286124"/>
+            <a:ext cx="285752" cy="428628"/>
+          </a:xfrm>
+          <a:prstGeom prst="downArrow">
+            <a:avLst/>
+          </a:prstGeom>
+          <a:ln>
+            <a:solidFill>
+              <a:srgbClr val="FF0000"/>
+            </a:solidFill>
+          </a:ln>
+        </p:spPr>
+        <p:style>
+          <a:lnRef idx="2">
+            <a:schemeClr val="accent1">
+              <a:shade val="50000"/>
+            </a:schemeClr>
+          </a:lnRef>
+          <a:fillRef idx="1">
+            <a:schemeClr val="accent1"/>
+          </a:fillRef>
+          <a:effectRef idx="0">
+            <a:schemeClr val="accent1"/>
+          </a:effectRef>
+          <a:fontRef idx="minor">
+            <a:schemeClr val="lt1"/>
+          </a:fontRef>
+        </p:style>
+        <p:txBody>
+          <a:bodyPr rtlCol="0" anchor="ctr"/>
+          <a:lstStyle/>
+          <a:p>
+            <a:pPr algn="ctr"/>
+            <a:endParaRPr lang="zh-CN" altLang="en-US"/>
+          </a:p>
+        </p:txBody>
+      </p:sp>
+      <p:sp>
+        <p:nvSpPr>
+          <p:cNvPr id="18" name="矩形 17"/>
+          <p:cNvSpPr/>
+          <p:nvPr/>
+        </p:nvSpPr>
+        <p:spPr>
+          <a:xfrm>
+            <a:off x="5143504" y="3714752"/>
+            <a:ext cx="1643042" cy="2571768"/>
+          </a:xfrm>
+          <a:prstGeom prst="rect">
+            <a:avLst/>
+          </a:prstGeom>
+        </p:spPr>
+        <p:style>
+          <a:lnRef idx="2">
+            <a:schemeClr val="accent1">
+              <a:shade val="50000"/>
+            </a:schemeClr>
+          </a:lnRef>
+          <a:fillRef idx="1">
+            <a:schemeClr val="accent1"/>
+          </a:fillRef>
+          <a:effectRef idx="0">
+            <a:schemeClr val="accent1"/>
+          </a:effectRef>
+          <a:fontRef idx="minor">
+            <a:schemeClr val="lt1"/>
+          </a:fontRef>
+        </p:style>
+        <p:txBody>
+          <a:bodyPr rtlCol="0" anchor="ctr"/>
+          <a:lstStyle/>
+          <a:p>
+            <a:pPr algn="ctr"/>
+            <a:r>
+              <a:rPr lang="zh-CN" altLang="en-US" dirty="0" smtClean="0"/>
+              <a:t>（长按弹出）</a:t>
+            </a:r>
+            <a:endParaRPr lang="en-US" altLang="zh-CN" dirty="0" smtClean="0"/>
+          </a:p>
+          <a:p>
+            <a:pPr algn="ctr"/>
+            <a:r>
+              <a:rPr lang="zh-CN" altLang="en-US" dirty="0" smtClean="0"/>
+              <a:t>违章实地考察</a:t>
+            </a:r>
+            <a:endParaRPr lang="en-US" altLang="zh-CN" dirty="0" smtClean="0"/>
+          </a:p>
+          <a:p>
+            <a:pPr algn="ctr"/>
+            <a:r>
+              <a:rPr lang="zh-CN" altLang="en-US" dirty="0" smtClean="0"/>
+              <a:t>周边违章</a:t>
+            </a:r>
+            <a:endParaRPr lang="en-US" altLang="zh-CN" dirty="0" smtClean="0"/>
+          </a:p>
+          <a:p>
+            <a:pPr algn="ctr"/>
+            <a:r>
+              <a:rPr lang="zh-CN" altLang="en-US" dirty="0" smtClean="0"/>
+              <a:t>违章处理</a:t>
+            </a:r>
+            <a:r>
+              <a:rPr lang="zh-CN" altLang="en-US" dirty="0" smtClean="0"/>
+              <a:t>地点（</a:t>
+            </a:r>
+            <a:r>
+              <a:rPr lang="zh-CN" altLang="en-US" dirty="0" smtClean="0"/>
+              <a:t>后续</a:t>
+            </a:r>
+            <a:r>
+              <a:rPr lang="zh-CN" altLang="en-US" dirty="0" smtClean="0"/>
+              <a:t>考虑加入路径规划）</a:t>
+            </a:r>
+            <a:endParaRPr lang="en-US" altLang="zh-CN" dirty="0" smtClean="0"/>
+          </a:p>
+          <a:p>
+            <a:pPr algn="ctr"/>
+            <a:endParaRPr lang="en-US" altLang="zh-CN" dirty="0" smtClean="0"/>
+          </a:p>
+          <a:p>
+            <a:pPr algn="ctr"/>
             <a:endParaRPr lang="zh-CN" altLang="en-US" dirty="0"/>
           </a:p>
         </p:txBody>
@@ -4005,6 +4884,39 @@
           </a:p>
         </p:txBody>
       </p:sp>
+      <p:pic>
+        <p:nvPicPr>
+          <p:cNvPr id="1026" name="Picture 2"/>
+          <p:cNvPicPr>
+            <a:picLocks noChangeAspect="1" noChangeArrowheads="1"/>
+          </p:cNvPicPr>
+          <p:nvPr/>
+        </p:nvPicPr>
+        <p:blipFill>
+          <a:blip r:embed="rId2"/>
+          <a:srcRect/>
+          <a:stretch>
+            <a:fillRect/>
+          </a:stretch>
+        </p:blipFill>
+        <p:spPr bwMode="auto">
+          <a:xfrm>
+            <a:off x="4572000" y="1285860"/>
+            <a:ext cx="3086100" cy="5486400"/>
+          </a:xfrm>
+          <a:prstGeom prst="rect">
+            <a:avLst/>
+          </a:prstGeom>
+          <a:noFill/>
+          <a:ln w="9525">
+            <a:noFill/>
+            <a:miter lim="800000"/>
+            <a:headEnd/>
+            <a:tailEnd/>
+          </a:ln>
+          <a:effectLst/>
+        </p:spPr>
+      </p:pic>
     </p:spTree>
   </p:cSld>
   <p:clrMapOvr>
@@ -4047,15 +4959,134 @@
           <a:p>
             <a:pPr algn="l"/>
             <a:r>
+              <a:rPr lang="en-US" altLang="zh-CN" dirty="0" smtClean="0"/>
+              <a:t>2. </a:t>
+            </a:r>
+            <a:r>
+              <a:rPr lang="zh-CN" altLang="en-US" dirty="0" smtClean="0"/>
+              <a:t>摄像头</a:t>
+            </a:r>
+            <a:r>
+              <a:rPr lang="en-US" altLang="zh-CN" dirty="0" smtClean="0"/>
+              <a:t>—</a:t>
+            </a:r>
+            <a:r>
+              <a:rPr lang="zh-CN" altLang="en-US" dirty="0" smtClean="0"/>
+              <a:t>违章摄像头</a:t>
+            </a:r>
+            <a:endParaRPr lang="zh-CN" altLang="en-US" dirty="0"/>
+          </a:p>
+        </p:txBody>
+      </p:sp>
+      <p:sp>
+        <p:nvSpPr>
+          <p:cNvPr id="3" name="内容占位符 2"/>
+          <p:cNvSpPr>
+            <a:spLocks noGrp="1"/>
+          </p:cNvSpPr>
+          <p:nvPr>
+            <p:ph idx="1"/>
+          </p:nvPr>
+        </p:nvSpPr>
+        <p:spPr/>
+        <p:txBody>
+          <a:bodyPr/>
+          <a:lstStyle/>
+          <a:p>
+            <a:pPr>
+              <a:buNone/>
+            </a:pPr>
+            <a:r>
+              <a:rPr lang="en-US" altLang="zh-CN" dirty="0" smtClean="0"/>
+              <a:t>1. </a:t>
+            </a:r>
+            <a:r>
+              <a:rPr lang="zh-CN" altLang="en-US" dirty="0" smtClean="0"/>
+              <a:t>地图模式显示违章摄像头（类型）</a:t>
+            </a:r>
+            <a:endParaRPr lang="en-US" altLang="zh-CN" dirty="0" smtClean="0"/>
+          </a:p>
+          <a:p>
+            <a:pPr>
+              <a:buNone/>
+            </a:pPr>
+            <a:r>
+              <a:rPr lang="en-US" altLang="zh-CN" dirty="0" smtClean="0"/>
+              <a:t>2. </a:t>
+            </a:r>
+            <a:r>
+              <a:rPr lang="zh-CN" altLang="en-US" dirty="0" smtClean="0"/>
+              <a:t>智能提醒：接近时提醒</a:t>
+            </a:r>
+            <a:endParaRPr lang="en-US" altLang="zh-CN" dirty="0" smtClean="0"/>
+          </a:p>
+          <a:p>
+            <a:pPr>
+              <a:buNone/>
+            </a:pPr>
+            <a:r>
+              <a:rPr lang="en-US" altLang="zh-CN" dirty="0" smtClean="0"/>
+              <a:t>3. </a:t>
+            </a:r>
+            <a:r>
+              <a:rPr lang="zh-CN" altLang="en-US" dirty="0" smtClean="0"/>
+              <a:t>后续和导航结合，实现路径规划</a:t>
+            </a:r>
+            <a:endParaRPr lang="zh-CN" altLang="en-US" dirty="0"/>
+          </a:p>
+        </p:txBody>
+      </p:sp>
+    </p:spTree>
+  </p:cSld>
+  <p:clrMapOvr>
+    <a:masterClrMapping/>
+  </p:clrMapOvr>
+</p:sld>
+</file>
+
+<file path=ppt/slides/slide8.xml><?xml version="1.0" encoding="utf-8"?>
+<p:sld xmlns:a="http://schemas.openxmlformats.org/drawingml/2006/main" xmlns:r="http://schemas.openxmlformats.org/officeDocument/2006/relationships" xmlns:p="http://schemas.openxmlformats.org/presentationml/2006/main">
+  <p:cSld>
+    <p:spTree>
+      <p:nvGrpSpPr>
+        <p:cNvPr id="1" name=""/>
+        <p:cNvGrpSpPr/>
+        <p:nvPr/>
+      </p:nvGrpSpPr>
+      <p:grpSpPr>
+        <a:xfrm>
+          <a:off x="0" y="0"/>
+          <a:ext cx="0" cy="0"/>
+          <a:chOff x="0" y="0"/>
+          <a:chExt cx="0" cy="0"/>
+        </a:xfrm>
+      </p:grpSpPr>
+      <p:sp>
+        <p:nvSpPr>
+          <p:cNvPr id="2" name="标题 1"/>
+          <p:cNvSpPr>
+            <a:spLocks noGrp="1"/>
+          </p:cNvSpPr>
+          <p:nvPr>
+            <p:ph type="title"/>
+          </p:nvPr>
+        </p:nvSpPr>
+        <p:spPr/>
+        <p:txBody>
+          <a:bodyPr/>
+          <a:lstStyle/>
+          <a:p>
+            <a:pPr algn="l"/>
+            <a:r>
               <a:rPr lang="en-US" altLang="zh-CN" dirty="0"/>
-              <a:t>2</a:t>
+              <a:t>3</a:t>
             </a:r>
             <a:r>
               <a:rPr lang="en-US" altLang="zh-CN" dirty="0" smtClean="0"/>
               <a:t>.</a:t>
             </a:r>
             <a:r>
-              <a:rPr lang="zh-CN" altLang="en-US" dirty="0"/>
+              <a:rPr lang="zh-CN" altLang="en-US" dirty="0" smtClean="0"/>
               <a:t> </a:t>
             </a:r>
             <a:r>
@@ -4150,7 +5181,15 @@
                   <a:schemeClr val="tx1"/>
                 </a:solidFill>
               </a:rPr>
-              <a:t>2.1</a:t>
+              <a:t>3</a:t>
+            </a:r>
+            <a:r>
+              <a:rPr lang="en-US" altLang="zh-CN" dirty="0" smtClean="0">
+                <a:solidFill>
+                  <a:schemeClr val="tx1"/>
+                </a:solidFill>
+              </a:rPr>
+              <a:t>.1</a:t>
             </a:r>
             <a:r>
               <a:rPr lang="zh-CN" altLang="en-US" dirty="0" smtClean="0">
@@ -4237,88 +5276,6 @@
 </p:sld>
 </file>
 
-<file path=ppt/slides/slide8.xml><?xml version="1.0" encoding="utf-8"?>
-<p:sld xmlns:a="http://schemas.openxmlformats.org/drawingml/2006/main" xmlns:r="http://schemas.openxmlformats.org/officeDocument/2006/relationships" xmlns:p="http://schemas.openxmlformats.org/presentationml/2006/main">
-  <p:cSld>
-    <p:spTree>
-      <p:nvGrpSpPr>
-        <p:cNvPr id="1" name=""/>
-        <p:cNvGrpSpPr/>
-        <p:nvPr/>
-      </p:nvGrpSpPr>
-      <p:grpSpPr>
-        <a:xfrm>
-          <a:off x="0" y="0"/>
-          <a:ext cx="0" cy="0"/>
-          <a:chOff x="0" y="0"/>
-          <a:chExt cx="0" cy="0"/>
-        </a:xfrm>
-      </p:grpSpPr>
-      <p:sp>
-        <p:nvSpPr>
-          <p:cNvPr id="2" name="标题 1"/>
-          <p:cNvSpPr>
-            <a:spLocks noGrp="1"/>
-          </p:cNvSpPr>
-          <p:nvPr>
-            <p:ph type="title"/>
-          </p:nvPr>
-        </p:nvSpPr>
-        <p:spPr/>
-        <p:txBody>
-          <a:bodyPr/>
-          <a:lstStyle/>
-          <a:p>
-            <a:r>
-              <a:rPr lang="en-US" altLang="zh-CN" dirty="0" smtClean="0"/>
-              <a:t>2.1 </a:t>
-            </a:r>
-            <a:r>
-              <a:rPr lang="zh-CN" altLang="en-US" dirty="0" smtClean="0"/>
-              <a:t>历史违章</a:t>
-            </a:r>
-            <a:endParaRPr lang="zh-CN" altLang="en-US" dirty="0"/>
-          </a:p>
-        </p:txBody>
-      </p:sp>
-      <p:sp>
-        <p:nvSpPr>
-          <p:cNvPr id="3" name="内容占位符 2"/>
-          <p:cNvSpPr>
-            <a:spLocks noGrp="1"/>
-          </p:cNvSpPr>
-          <p:nvPr>
-            <p:ph idx="1"/>
-          </p:nvPr>
-        </p:nvSpPr>
-        <p:spPr/>
-        <p:txBody>
-          <a:bodyPr/>
-          <a:lstStyle/>
-          <a:p>
-            <a:pPr>
-              <a:buNone/>
-            </a:pPr>
-            <a:r>
-              <a:rPr lang="zh-CN" altLang="en-US" dirty="0" smtClean="0"/>
-              <a:t>展示一个列表，每项样式参见</a:t>
-            </a:r>
-            <a:r>
-              <a:rPr lang="en-US" altLang="zh-CN" dirty="0" smtClean="0"/>
-              <a:t>1.2</a:t>
-            </a:r>
-            <a:endParaRPr lang="zh-CN" altLang="en-US" dirty="0"/>
-          </a:p>
-        </p:txBody>
-      </p:sp>
-    </p:spTree>
-  </p:cSld>
-  <p:clrMapOvr>
-    <a:masterClrMapping/>
-  </p:clrMapOvr>
-</p:sld>
-</file>
-
 <file path=ppt/slides/slide9.xml><?xml version="1.0" encoding="utf-8"?>
 <p:sld xmlns:a="http://schemas.openxmlformats.org/drawingml/2006/main" xmlns:r="http://schemas.openxmlformats.org/officeDocument/2006/relationships" xmlns:p="http://schemas.openxmlformats.org/presentationml/2006/main">
   <p:cSld>
@@ -4351,18 +5308,17 @@
           <a:bodyPr/>
           <a:lstStyle/>
           <a:p>
-            <a:pPr algn="l"/>
             <a:r>
               <a:rPr lang="en-US" altLang="zh-CN" dirty="0" smtClean="0"/>
-              <a:t>3.</a:t>
-            </a:r>
-            <a:r>
-              <a:rPr lang="zh-CN" altLang="en-US" dirty="0"/>
-              <a:t> </a:t>
+              <a:t>3</a:t>
+            </a:r>
+            <a:r>
+              <a:rPr lang="en-US" altLang="zh-CN" dirty="0" smtClean="0"/>
+              <a:t>.1 </a:t>
             </a:r>
             <a:r>
               <a:rPr lang="zh-CN" altLang="en-US" dirty="0" smtClean="0"/>
-              <a:t>设置</a:t>
+              <a:t>历史违章</a:t>
             </a:r>
             <a:endParaRPr lang="zh-CN" altLang="en-US" dirty="0"/>
           </a:p>
@@ -4370,236 +5326,31 @@
       </p:sp>
       <p:sp>
         <p:nvSpPr>
-          <p:cNvPr id="4" name="矩形 3"/>
-          <p:cNvSpPr/>
-          <p:nvPr/>
-        </p:nvSpPr>
-        <p:spPr>
-          <a:xfrm>
-            <a:off x="2071670" y="1428736"/>
-            <a:ext cx="4357718" cy="4929222"/>
-          </a:xfrm>
-          <a:prstGeom prst="rect">
-            <a:avLst/>
-          </a:prstGeom>
-          <a:noFill/>
-        </p:spPr>
-        <p:style>
-          <a:lnRef idx="2">
-            <a:schemeClr val="accent1">
-              <a:shade val="50000"/>
-            </a:schemeClr>
-          </a:lnRef>
-          <a:fillRef idx="1">
-            <a:schemeClr val="accent1"/>
-          </a:fillRef>
-          <a:effectRef idx="0">
-            <a:schemeClr val="accent1"/>
-          </a:effectRef>
-          <a:fontRef idx="minor">
-            <a:schemeClr val="lt1"/>
-          </a:fontRef>
-        </p:style>
-        <p:txBody>
-          <a:bodyPr rtlCol="0" anchor="ctr"/>
-          <a:lstStyle/>
-          <a:p>
-            <a:pPr algn="ctr"/>
-            <a:endParaRPr lang="zh-CN" altLang="en-US"/>
-          </a:p>
-        </p:txBody>
-      </p:sp>
-      <p:sp>
-        <p:nvSpPr>
-          <p:cNvPr id="5" name="矩形 4"/>
-          <p:cNvSpPr/>
-          <p:nvPr/>
-        </p:nvSpPr>
-        <p:spPr>
-          <a:xfrm>
-            <a:off x="2071670" y="2224078"/>
-            <a:ext cx="4357718" cy="3705252"/>
-          </a:xfrm>
-          <a:prstGeom prst="rect">
-            <a:avLst/>
-          </a:prstGeom>
-          <a:noFill/>
-        </p:spPr>
-        <p:style>
-          <a:lnRef idx="2">
-            <a:schemeClr val="accent1">
-              <a:shade val="50000"/>
-            </a:schemeClr>
-          </a:lnRef>
-          <a:fillRef idx="1">
-            <a:schemeClr val="accent1"/>
-          </a:fillRef>
-          <a:effectRef idx="0">
-            <a:schemeClr val="accent1"/>
-          </a:effectRef>
-          <a:fontRef idx="minor">
-            <a:schemeClr val="lt1"/>
-          </a:fontRef>
-        </p:style>
-        <p:txBody>
-          <a:bodyPr rtlCol="0" anchor="ctr"/>
-          <a:lstStyle/>
-          <a:p>
-            <a:pPr algn="ctr"/>
-            <a:r>
-              <a:rPr lang="zh-CN" altLang="en-US" dirty="0" smtClean="0">
-                <a:solidFill>
-                  <a:schemeClr val="tx1"/>
-                </a:solidFill>
-              </a:rPr>
-              <a:t>关于软件</a:t>
-            </a:r>
-            <a:endParaRPr lang="en-US" altLang="zh-CN" dirty="0" smtClean="0">
-              <a:solidFill>
-                <a:schemeClr val="tx1"/>
-              </a:solidFill>
-            </a:endParaRPr>
-          </a:p>
-          <a:p>
-            <a:pPr algn="ctr"/>
-            <a:r>
-              <a:rPr lang="zh-CN" altLang="en-US" dirty="0" smtClean="0">
-                <a:solidFill>
-                  <a:schemeClr val="tx1"/>
-                </a:solidFill>
-              </a:rPr>
-              <a:t>违章推送（任何车辆有违章时，推送消息，可设置查询周期）</a:t>
-            </a:r>
-            <a:endParaRPr lang="en-US" altLang="zh-CN" dirty="0" smtClean="0">
-              <a:solidFill>
-                <a:schemeClr val="tx1"/>
-              </a:solidFill>
-            </a:endParaRPr>
-          </a:p>
-          <a:p>
-            <a:pPr algn="ctr"/>
-            <a:r>
-              <a:rPr lang="zh-CN" altLang="en-US" dirty="0" smtClean="0">
-                <a:solidFill>
-                  <a:schemeClr val="tx1"/>
-                </a:solidFill>
-              </a:rPr>
-              <a:t>好友分享</a:t>
-            </a:r>
-            <a:endParaRPr lang="en-US" altLang="zh-CN" dirty="0" smtClean="0">
-              <a:solidFill>
-                <a:schemeClr val="tx1"/>
-              </a:solidFill>
-            </a:endParaRPr>
-          </a:p>
-          <a:p>
-            <a:pPr algn="ctr"/>
-            <a:r>
-              <a:rPr lang="zh-CN" altLang="en-US" dirty="0" smtClean="0">
-                <a:solidFill>
-                  <a:schemeClr val="tx1"/>
-                </a:solidFill>
-              </a:rPr>
-              <a:t>检查更新</a:t>
-            </a:r>
-            <a:endParaRPr lang="en-US" altLang="zh-CN" dirty="0" smtClean="0">
-              <a:solidFill>
-                <a:schemeClr val="tx1"/>
-              </a:solidFill>
-            </a:endParaRPr>
-          </a:p>
-          <a:p>
-            <a:pPr algn="ctr"/>
-            <a:r>
-              <a:rPr lang="zh-CN" altLang="en-US" dirty="0" smtClean="0">
-                <a:solidFill>
-                  <a:schemeClr val="tx1"/>
-                </a:solidFill>
-              </a:rPr>
-              <a:t>意见反馈</a:t>
-            </a:r>
-            <a:endParaRPr lang="en-US" altLang="zh-CN" dirty="0" smtClean="0">
-              <a:solidFill>
-                <a:schemeClr val="tx1"/>
-              </a:solidFill>
-            </a:endParaRPr>
-          </a:p>
-          <a:p>
-            <a:pPr algn="ctr"/>
-            <a:r>
-              <a:rPr lang="zh-CN" altLang="en-US" dirty="0" smtClean="0">
-                <a:solidFill>
-                  <a:schemeClr val="tx1"/>
-                </a:solidFill>
-              </a:rPr>
-              <a:t>软件评分</a:t>
-            </a:r>
-            <a:endParaRPr lang="en-US" altLang="zh-CN" dirty="0" smtClean="0">
-              <a:solidFill>
-                <a:schemeClr val="tx1"/>
-              </a:solidFill>
-            </a:endParaRPr>
-          </a:p>
-          <a:p>
-            <a:pPr algn="ctr"/>
-            <a:endParaRPr lang="en-US" altLang="zh-CN" dirty="0" smtClean="0">
-              <a:solidFill>
-                <a:schemeClr val="tx1"/>
-              </a:solidFill>
-            </a:endParaRPr>
-          </a:p>
-        </p:txBody>
-      </p:sp>
-      <p:sp>
-        <p:nvSpPr>
-          <p:cNvPr id="6" name="矩形 5"/>
-          <p:cNvSpPr/>
-          <p:nvPr/>
-        </p:nvSpPr>
-        <p:spPr>
-          <a:xfrm>
-            <a:off x="2071670" y="1428736"/>
-            <a:ext cx="4357718" cy="785818"/>
-          </a:xfrm>
-          <a:prstGeom prst="rect">
-            <a:avLst/>
-          </a:prstGeom>
-          <a:noFill/>
-        </p:spPr>
-        <p:style>
-          <a:lnRef idx="2">
-            <a:schemeClr val="accent1">
-              <a:shade val="50000"/>
-            </a:schemeClr>
-          </a:lnRef>
-          <a:fillRef idx="1">
-            <a:schemeClr val="accent1"/>
-          </a:fillRef>
-          <a:effectRef idx="0">
-            <a:schemeClr val="accent1"/>
-          </a:effectRef>
-          <a:fontRef idx="minor">
-            <a:schemeClr val="lt1"/>
-          </a:fontRef>
-        </p:style>
-        <p:txBody>
-          <a:bodyPr rtlCol="0" anchor="ctr"/>
-          <a:lstStyle/>
-          <a:p>
-            <a:pPr algn="ctr"/>
-            <a:r>
-              <a:rPr lang="zh-CN" altLang="en-US" dirty="0" smtClean="0">
-                <a:solidFill>
-                  <a:schemeClr val="tx1"/>
-                </a:solidFill>
-              </a:rPr>
-              <a:t>设置</a:t>
-            </a:r>
-            <a:endParaRPr lang="zh-CN" altLang="en-US" dirty="0">
-              <a:solidFill>
-                <a:schemeClr val="tx1"/>
-              </a:solidFill>
-            </a:endParaRPr>
+          <p:cNvPr id="3" name="内容占位符 2"/>
+          <p:cNvSpPr>
+            <a:spLocks noGrp="1"/>
+          </p:cNvSpPr>
+          <p:nvPr>
+            <p:ph idx="1"/>
+          </p:nvPr>
+        </p:nvSpPr>
+        <p:spPr/>
+        <p:txBody>
+          <a:bodyPr/>
+          <a:lstStyle/>
+          <a:p>
+            <a:pPr>
+              <a:buNone/>
+            </a:pPr>
+            <a:r>
+              <a:rPr lang="zh-CN" altLang="en-US" dirty="0" smtClean="0"/>
+              <a:t>展示一个列表，每项样式参见</a:t>
+            </a:r>
+            <a:r>
+              <a:rPr lang="en-US" altLang="zh-CN" dirty="0" smtClean="0"/>
+              <a:t>1.2</a:t>
+            </a:r>
+            <a:endParaRPr lang="zh-CN" altLang="en-US" dirty="0"/>
           </a:p>
         </p:txBody>
       </p:sp>
